--- a/assets/img/Logo javi redondito.pptx
+++ b/assets/img/Logo javi redondito.pptx
@@ -117,7 +117,7 @@
   <pc:docChgLst>
     <pc:chgData name="Javier Jose gonzalez" userId="0e9c87c8a53a94a3" providerId="LiveId" clId="{911D719F-64DA-4C6D-8D35-F464FCEFC242}"/>
     <pc:docChg chg="custSel delSld modSld">
-      <pc:chgData name="Javier Jose gonzalez" userId="0e9c87c8a53a94a3" providerId="LiveId" clId="{911D719F-64DA-4C6D-8D35-F464FCEFC242}" dt="2020-08-18T21:54:19.847" v="7" actId="1076"/>
+      <pc:chgData name="Javier Jose gonzalez" userId="0e9c87c8a53a94a3" providerId="LiveId" clId="{911D719F-64DA-4C6D-8D35-F464FCEFC242}" dt="2020-08-18T22:15:25.331" v="8" actId="14100"/>
       <pc:docMkLst>
         <pc:docMk/>
       </pc:docMkLst>
@@ -136,13 +136,13 @@
         </pc:sldMkLst>
       </pc:sldChg>
       <pc:sldChg chg="delSp modSp mod">
-        <pc:chgData name="Javier Jose gonzalez" userId="0e9c87c8a53a94a3" providerId="LiveId" clId="{911D719F-64DA-4C6D-8D35-F464FCEFC242}" dt="2020-08-18T21:54:19.847" v="7" actId="1076"/>
+        <pc:chgData name="Javier Jose gonzalez" userId="0e9c87c8a53a94a3" providerId="LiveId" clId="{911D719F-64DA-4C6D-8D35-F464FCEFC242}" dt="2020-08-18T22:15:25.331" v="8" actId="14100"/>
         <pc:sldMkLst>
           <pc:docMk/>
           <pc:sldMk cId="476225570" sldId="258"/>
         </pc:sldMkLst>
         <pc:picChg chg="mod">
-          <ac:chgData name="Javier Jose gonzalez" userId="0e9c87c8a53a94a3" providerId="LiveId" clId="{911D719F-64DA-4C6D-8D35-F464FCEFC242}" dt="2020-08-18T21:54:19.847" v="7" actId="1076"/>
+          <ac:chgData name="Javier Jose gonzalez" userId="0e9c87c8a53a94a3" providerId="LiveId" clId="{911D719F-64DA-4C6D-8D35-F464FCEFC242}" dt="2020-08-18T22:15:25.331" v="8" actId="14100"/>
           <ac:picMkLst>
             <pc:docMk/>
             <pc:sldMk cId="476225570" sldId="258"/>
@@ -3433,8 +3433,8 @@
         </p:blipFill>
         <p:spPr>
           <a:xfrm>
-            <a:off x="1929492" y="930442"/>
-            <a:ext cx="2436402" cy="2436403"/>
+            <a:off x="1929491" y="930442"/>
+            <a:ext cx="2818971" cy="2818972"/>
           </a:xfrm>
           <a:custGeom>
             <a:avLst/>
